--- a/服务器架构介绍.pptx
+++ b/服务器架构介绍.pptx
@@ -18,7 +18,9 @@
     <p:sldId id="270" r:id="rId12"/>
     <p:sldId id="271" r:id="rId13"/>
     <p:sldId id="274" r:id="rId14"/>
-    <p:sldId id="279" r:id="rId15"/>
+    <p:sldId id="283" r:id="rId15"/>
+    <p:sldId id="279" r:id="rId16"/>
+    <p:sldId id="284" r:id="rId17"/>
   </p:sldIdLst>
   <p:sldSz cx="12192000" cy="6858000"/>
   <p:notesSz cx="6858000" cy="9144000"/>
@@ -3927,29 +3929,33 @@
           </a:p>
           <a:p>
             <a:r>
+              <a:rPr lang="zh-CN" altLang="en-US" dirty="0"/>
+              <a:t>实体内部的</a:t>
+            </a:r>
+            <a:r>
+              <a:rPr lang="en-US" altLang="zh-CN" dirty="0" err="1"/>
+              <a:t>rpc</a:t>
+            </a:r>
+            <a:r>
+              <a:rPr lang="zh-CN" altLang="en-US" dirty="0" smtClean="0"/>
+              <a:t>调用</a:t>
+            </a:r>
+            <a:endParaRPr lang="en-US" altLang="zh-CN" dirty="0" smtClean="0"/>
+          </a:p>
+          <a:p>
+            <a:pPr marL="0" indent="0">
+              <a:buNone/>
+            </a:pPr>
+            <a:r>
+              <a:rPr lang="en-US" altLang="zh-CN" dirty="0" smtClean="0"/>
+              <a:t>     </a:t>
+            </a:r>
+            <a:r>
               <a:rPr lang="en-US" altLang="zh-CN" dirty="0" err="1" smtClean="0"/>
-              <a:t>EntityProxy</a:t>
-            </a:r>
-            <a:endParaRPr lang="en-US" altLang="zh-CN" dirty="0" smtClean="0"/>
-          </a:p>
-          <a:p>
-            <a:pPr marL="0" indent="0">
-              <a:buNone/>
-            </a:pPr>
-            <a:r>
-              <a:rPr lang="en-US" altLang="zh-CN" b="1" dirty="0" smtClean="0">
-                <a:solidFill>
-                  <a:srgbClr val="FF0000"/>
-                </a:solidFill>
-              </a:rPr>
-              <a:t>     </a:t>
-            </a:r>
-            <a:r>
-              <a:rPr lang="en-US" altLang="zh-CN" dirty="0" err="1"/>
               <a:t>AsyncCall</a:t>
             </a:r>
             <a:r>
-              <a:rPr lang="en-US" altLang="zh-CN" dirty="0"/>
+              <a:rPr lang="en-US" altLang="zh-CN" dirty="0" smtClean="0"/>
               <a:t>(</a:t>
             </a:r>
             <a:r>
@@ -4118,6 +4124,242 @@
       </p:grpSpPr>
       <p:sp>
         <p:nvSpPr>
+          <p:cNvPr id="3" name="内容占位符 2"/>
+          <p:cNvSpPr>
+            <a:spLocks noGrp="1"/>
+          </p:cNvSpPr>
+          <p:nvPr>
+            <p:ph idx="1"/>
+          </p:nvPr>
+        </p:nvSpPr>
+        <p:spPr>
+          <a:xfrm>
+            <a:off x="838200" y="413359"/>
+            <a:ext cx="10515600" cy="5763604"/>
+          </a:xfrm>
+        </p:spPr>
+        <p:txBody>
+          <a:bodyPr/>
+          <a:lstStyle/>
+          <a:p>
+            <a:pPr marL="0" indent="0">
+              <a:buNone/>
+            </a:pPr>
+            <a:r>
+              <a:rPr lang="zh-CN" altLang="en-US" dirty="0" smtClean="0"/>
+              <a:t>例如：</a:t>
+            </a:r>
+            <a:endParaRPr lang="en-US" altLang="zh-CN" dirty="0" smtClean="0"/>
+          </a:p>
+          <a:p>
+            <a:pPr marL="0" indent="0">
+              <a:buNone/>
+            </a:pPr>
+            <a:r>
+              <a:rPr lang="en-US" altLang="zh-CN" sz="2400" dirty="0" err="1"/>
+              <a:t>entity.AsyncCall</a:t>
+            </a:r>
+            <a:r>
+              <a:rPr lang="en-US" altLang="zh-CN" sz="2400" dirty="0"/>
+              <a:t>(lobby, "</a:t>
+            </a:r>
+            <a:r>
+              <a:rPr lang="en-US" altLang="zh-CN" sz="2400" dirty="0" err="1"/>
+              <a:t>SetName</a:t>
+            </a:r>
+            <a:r>
+              <a:rPr lang="en-US" altLang="zh-CN" sz="2400" dirty="0"/>
+              <a:t>", "</a:t>
+            </a:r>
+            <a:r>
+              <a:rPr lang="en-US" altLang="zh-CN" sz="2400" dirty="0" err="1"/>
+              <a:t>NewName</a:t>
+            </a:r>
+            <a:r>
+              <a:rPr lang="en-US" altLang="zh-CN" sz="2400" dirty="0" smtClean="0"/>
+              <a:t>")</a:t>
+            </a:r>
+          </a:p>
+          <a:p>
+            <a:r>
+              <a:rPr lang="zh-CN" altLang="en-US" dirty="0"/>
+              <a:t>实体代理的获取及实体方法的</a:t>
+            </a:r>
+            <a:r>
+              <a:rPr lang="zh-CN" altLang="en-US" dirty="0" smtClean="0"/>
+              <a:t>调用</a:t>
+            </a:r>
+            <a:endParaRPr lang="en-US" altLang="zh-CN" dirty="0" smtClean="0"/>
+          </a:p>
+          <a:p>
+            <a:pPr marL="0" indent="0">
+              <a:buNone/>
+            </a:pPr>
+            <a:r>
+              <a:rPr lang="zh-CN" altLang="en-US" dirty="0" smtClean="0"/>
+              <a:t>例如：</a:t>
+            </a:r>
+            <a:endParaRPr lang="en-US" altLang="zh-CN" dirty="0" smtClean="0"/>
+          </a:p>
+          <a:p>
+            <a:pPr marL="0" indent="0">
+              <a:buNone/>
+            </a:pPr>
+            <a:r>
+              <a:rPr lang="en-US" altLang="zh-CN" dirty="0"/>
+              <a:t> </a:t>
+            </a:r>
+            <a:r>
+              <a:rPr lang="en-US" altLang="zh-CN" dirty="0" smtClean="0"/>
+              <a:t>   </a:t>
+            </a:r>
+            <a:r>
+              <a:rPr lang="en-US" altLang="zh-CN" sz="2000" dirty="0" smtClean="0"/>
+              <a:t>// </a:t>
+            </a:r>
+            <a:r>
+              <a:rPr lang="zh-CN" altLang="en-US" sz="2000" dirty="0"/>
+              <a:t>异步调用</a:t>
+            </a:r>
+            <a:r>
+              <a:rPr lang="en-US" altLang="zh-CN" sz="2000" dirty="0"/>
+              <a:t>Team</a:t>
+            </a:r>
+            <a:r>
+              <a:rPr lang="zh-CN" altLang="en-US" sz="2000" dirty="0"/>
+              <a:t>实体的</a:t>
+            </a:r>
+            <a:r>
+              <a:rPr lang="en-US" altLang="zh-CN" sz="2000" dirty="0" err="1"/>
+              <a:t>SetName</a:t>
+            </a:r>
+            <a:r>
+              <a:rPr lang="zh-CN" altLang="en-US" sz="2000" dirty="0"/>
+              <a:t>方法，把队伍</a:t>
+            </a:r>
+            <a:r>
+              <a:rPr lang="en-US" altLang="zh-CN" sz="2000" dirty="0"/>
+              <a:t>ID</a:t>
+            </a:r>
+          </a:p>
+          <a:p>
+            <a:pPr marL="0" indent="0">
+              <a:buNone/>
+            </a:pPr>
+            <a:r>
+              <a:rPr lang="en-US" altLang="zh-CN" sz="2000" dirty="0"/>
+              <a:t>    // </a:t>
+            </a:r>
+            <a:r>
+              <a:rPr lang="zh-CN" altLang="en-US" sz="2000" dirty="0"/>
+              <a:t>为 </a:t>
+            </a:r>
+            <a:r>
+              <a:rPr lang="en-US" altLang="zh-CN" sz="2000" dirty="0" err="1"/>
+              <a:t>TeamID</a:t>
+            </a:r>
+            <a:r>
+              <a:rPr lang="en-US" altLang="zh-CN" sz="2000" dirty="0"/>
+              <a:t> </a:t>
+            </a:r>
+            <a:r>
+              <a:rPr lang="zh-CN" altLang="en-US" sz="2000" dirty="0"/>
+              <a:t>的队伍名字设置为</a:t>
+            </a:r>
+            <a:r>
+              <a:rPr lang="en-US" altLang="zh-CN" sz="2000" dirty="0"/>
+              <a:t>: </a:t>
+            </a:r>
+            <a:r>
+              <a:rPr lang="en-US" altLang="zh-CN" sz="2000" dirty="0" err="1"/>
+              <a:t>NewTeamName</a:t>
+            </a:r>
+            <a:endParaRPr lang="en-US" altLang="zh-CN" sz="2000" dirty="0"/>
+          </a:p>
+          <a:p>
+            <a:pPr marL="0" indent="0">
+              <a:buNone/>
+            </a:pPr>
+            <a:r>
+              <a:rPr lang="en-US" altLang="zh-CN" sz="2000" dirty="0"/>
+              <a:t>    err = </a:t>
+            </a:r>
+            <a:r>
+              <a:rPr lang="en-US" altLang="zh-CN" sz="2000" dirty="0" err="1"/>
+              <a:t>NewEntityProxy</a:t>
+            </a:r>
+            <a:r>
+              <a:rPr lang="en-US" altLang="zh-CN" sz="2000" dirty="0"/>
+              <a:t>(</a:t>
+            </a:r>
+            <a:r>
+              <a:rPr lang="en-US" altLang="zh-CN" sz="2000" dirty="0" err="1"/>
+              <a:t>TeamID</a:t>
+            </a:r>
+            <a:r>
+              <a:rPr lang="en-US" altLang="zh-CN" sz="2000" dirty="0"/>
+              <a:t>).</a:t>
+            </a:r>
+            <a:r>
+              <a:rPr lang="en-US" altLang="zh-CN" sz="2000" dirty="0" err="1"/>
+              <a:t>AsyncCall</a:t>
+            </a:r>
+            <a:r>
+              <a:rPr lang="en-US" altLang="zh-CN" sz="2000" dirty="0"/>
+              <a:t>(Team, "</a:t>
+            </a:r>
+            <a:r>
+              <a:rPr lang="en-US" altLang="zh-CN" sz="2000" dirty="0" err="1"/>
+              <a:t>SetName</a:t>
+            </a:r>
+            <a:r>
+              <a:rPr lang="en-US" altLang="zh-CN" sz="2000" dirty="0"/>
+              <a:t>", "</a:t>
+            </a:r>
+            <a:r>
+              <a:rPr lang="en-US" altLang="zh-CN" sz="2000" dirty="0" err="1"/>
+              <a:t>NewTeamName</a:t>
+            </a:r>
+            <a:r>
+              <a:rPr lang="en-US" altLang="zh-CN" sz="2000" dirty="0"/>
+              <a:t>")</a:t>
+            </a:r>
+            <a:endParaRPr lang="zh-CN" altLang="en-US" sz="2000" dirty="0"/>
+          </a:p>
+        </p:txBody>
+      </p:sp>
+    </p:spTree>
+    <p:extLst>
+      <p:ext uri="{BB962C8B-B14F-4D97-AF65-F5344CB8AC3E}">
+        <p14:creationId xmlns:p14="http://schemas.microsoft.com/office/powerpoint/2010/main" val="3182325179"/>
+      </p:ext>
+    </p:extLst>
+  </p:cSld>
+  <p:clrMapOvr>
+    <a:masterClrMapping/>
+  </p:clrMapOvr>
+</p:sld>
+</file>
+
+<file path=ppt/slides/slide15.xml><?xml version="1.0" encoding="utf-8"?>
+<p:sld xmlns:a="http://schemas.openxmlformats.org/drawingml/2006/main" xmlns:r="http://schemas.openxmlformats.org/officeDocument/2006/relationships" xmlns:p="http://schemas.openxmlformats.org/presentationml/2006/main">
+  <p:cSld>
+    <p:spTree>
+      <p:nvGrpSpPr>
+        <p:cNvPr id="1" name=""/>
+        <p:cNvGrpSpPr/>
+        <p:nvPr/>
+      </p:nvGrpSpPr>
+      <p:grpSpPr>
+        <a:xfrm>
+          <a:off x="0" y="0"/>
+          <a:ext cx="0" cy="0"/>
+          <a:chOff x="0" y="0"/>
+          <a:chExt cx="0" cy="0"/>
+        </a:xfrm>
+      </p:grpSpPr>
+      <p:sp>
+        <p:nvSpPr>
           <p:cNvPr id="2" name="标题 1"/>
           <p:cNvSpPr>
             <a:spLocks noGrp="1"/>
@@ -4133,11 +4375,11 @@
           <a:p>
             <a:r>
               <a:rPr lang="zh-CN" altLang="en-US" dirty="0" smtClean="0"/>
-              <a:t>同步带来的问题和解决</a:t>
+              <a:t>同步可能带来</a:t>
             </a:r>
             <a:r>
               <a:rPr lang="zh-CN" altLang="en-US" dirty="0" smtClean="0"/>
-              <a:t>方案</a:t>
+              <a:t>的问题和解决方案</a:t>
             </a:r>
             <a:endParaRPr lang="zh-CN" altLang="en-US" dirty="0"/>
           </a:p>
@@ -4211,6 +4453,67 @@
     <p:extLst>
       <p:ext uri="{BB962C8B-B14F-4D97-AF65-F5344CB8AC3E}">
         <p14:creationId xmlns:p14="http://schemas.microsoft.com/office/powerpoint/2010/main" val="1747922516"/>
+      </p:ext>
+    </p:extLst>
+  </p:cSld>
+  <p:clrMapOvr>
+    <a:masterClrMapping/>
+  </p:clrMapOvr>
+</p:sld>
+</file>
+
+<file path=ppt/slides/slide16.xml><?xml version="1.0" encoding="utf-8"?>
+<p:sld xmlns:a="http://schemas.openxmlformats.org/drawingml/2006/main" xmlns:r="http://schemas.openxmlformats.org/officeDocument/2006/relationships" xmlns:p="http://schemas.openxmlformats.org/presentationml/2006/main">
+  <p:cSld>
+    <p:spTree>
+      <p:nvGrpSpPr>
+        <p:cNvPr id="1" name=""/>
+        <p:cNvGrpSpPr/>
+        <p:nvPr/>
+      </p:nvGrpSpPr>
+      <p:grpSpPr>
+        <a:xfrm>
+          <a:off x="0" y="0"/>
+          <a:ext cx="0" cy="0"/>
+          <a:chOff x="0" y="0"/>
+          <a:chExt cx="0" cy="0"/>
+        </a:xfrm>
+      </p:grpSpPr>
+      <p:sp>
+        <p:nvSpPr>
+          <p:cNvPr id="3" name="内容占位符 2"/>
+          <p:cNvSpPr>
+            <a:spLocks noGrp="1"/>
+          </p:cNvSpPr>
+          <p:nvPr>
+            <p:ph idx="1"/>
+          </p:nvPr>
+        </p:nvSpPr>
+        <p:spPr>
+          <a:xfrm>
+            <a:off x="838200" y="914400"/>
+            <a:ext cx="10515600" cy="5262563"/>
+          </a:xfrm>
+        </p:spPr>
+        <p:txBody>
+          <a:bodyPr/>
+          <a:lstStyle/>
+          <a:p>
+            <a:pPr marL="0" indent="0">
+              <a:buNone/>
+            </a:pPr>
+            <a:r>
+              <a:rPr lang="zh-CN" altLang="en-US" dirty="0" smtClean="0"/>
+              <a:t>未完待续。。。</a:t>
+            </a:r>
+            <a:endParaRPr lang="zh-CN" altLang="en-US" dirty="0"/>
+          </a:p>
+        </p:txBody>
+      </p:sp>
+    </p:spTree>
+    <p:extLst>
+      <p:ext uri="{BB962C8B-B14F-4D97-AF65-F5344CB8AC3E}">
+        <p14:creationId xmlns:p14="http://schemas.microsoft.com/office/powerpoint/2010/main" val="950864740"/>
       </p:ext>
     </p:extLst>
   </p:cSld>

--- a/服务器架构介绍.pptx
+++ b/服务器架构介绍.pptx
@@ -20,7 +20,8 @@
     <p:sldId id="274" r:id="rId14"/>
     <p:sldId id="283" r:id="rId15"/>
     <p:sldId id="279" r:id="rId16"/>
-    <p:sldId id="284" r:id="rId17"/>
+    <p:sldId id="285" r:id="rId17"/>
+    <p:sldId id="284" r:id="rId18"/>
   </p:sldIdLst>
   <p:sldSz cx="12192000" cy="6858000"/>
   <p:notesSz cx="6858000" cy="9144000"/>
@@ -4375,11 +4376,7 @@
           <a:p>
             <a:r>
               <a:rPr lang="zh-CN" altLang="en-US" dirty="0" smtClean="0"/>
-              <a:t>同步可能带来</a:t>
-            </a:r>
-            <a:r>
-              <a:rPr lang="zh-CN" altLang="en-US" dirty="0" smtClean="0"/>
-              <a:t>的问题和解决方案</a:t>
+              <a:t>同步可能带来的问题和解决方案</a:t>
             </a:r>
             <a:endParaRPr lang="zh-CN" altLang="en-US" dirty="0"/>
           </a:p>
@@ -4395,7 +4392,12 @@
             <p:ph idx="1"/>
           </p:nvPr>
         </p:nvSpPr>
-        <p:spPr/>
+        <p:spPr>
+          <a:xfrm>
+            <a:off x="838200" y="1825625"/>
+            <a:ext cx="10515600" cy="2909213"/>
+          </a:xfrm>
+        </p:spPr>
         <p:txBody>
           <a:bodyPr/>
           <a:lstStyle/>
@@ -4446,6 +4448,196 @@
               <a:rPr lang="zh-CN" altLang="en-US" dirty="0"/>
               <a:t>事务</a:t>
             </a:r>
+          </a:p>
+        </p:txBody>
+      </p:sp>
+      <p:sp>
+        <p:nvSpPr>
+          <p:cNvPr id="4" name="内容占位符 2"/>
+          <p:cNvSpPr txBox="1">
+            <a:spLocks/>
+          </p:cNvSpPr>
+          <p:nvPr/>
+        </p:nvSpPr>
+        <p:spPr>
+          <a:xfrm>
+            <a:off x="838200" y="4619254"/>
+            <a:ext cx="10420611" cy="1988225"/>
+          </a:xfrm>
+          <a:prstGeom prst="rect">
+            <a:avLst/>
+          </a:prstGeom>
+        </p:spPr>
+        <p:txBody>
+          <a:bodyPr vert="horz" lIns="91440" tIns="45720" rIns="91440" bIns="45720" rtlCol="0">
+            <a:normAutofit/>
+          </a:bodyPr>
+          <a:lstStyle>
+            <a:lvl1pPr marL="228600" indent="-228600" algn="l" defTabSz="914400" rtl="0" eaLnBrk="1" latinLnBrk="0" hangingPunct="1">
+              <a:lnSpc>
+                <a:spcPct val="90000"/>
+              </a:lnSpc>
+              <a:spcBef>
+                <a:spcPts val="1000"/>
+              </a:spcBef>
+              <a:buFont typeface="Arial" panose="020B0604020202020204" pitchFamily="34" charset="0"/>
+              <a:buChar char="•"/>
+              <a:defRPr sz="2800" kern="1200">
+                <a:solidFill>
+                  <a:schemeClr val="tx1"/>
+                </a:solidFill>
+                <a:latin typeface="+mn-lt"/>
+                <a:ea typeface="+mn-ea"/>
+                <a:cs typeface="+mn-cs"/>
+              </a:defRPr>
+            </a:lvl1pPr>
+            <a:lvl2pPr marL="685800" indent="-228600" algn="l" defTabSz="914400" rtl="0" eaLnBrk="1" latinLnBrk="0" hangingPunct="1">
+              <a:lnSpc>
+                <a:spcPct val="90000"/>
+              </a:lnSpc>
+              <a:spcBef>
+                <a:spcPts val="500"/>
+              </a:spcBef>
+              <a:buFont typeface="Arial" panose="020B0604020202020204" pitchFamily="34" charset="0"/>
+              <a:buChar char="•"/>
+              <a:defRPr sz="2400" kern="1200">
+                <a:solidFill>
+                  <a:schemeClr val="tx1"/>
+                </a:solidFill>
+                <a:latin typeface="+mn-lt"/>
+                <a:ea typeface="+mn-ea"/>
+                <a:cs typeface="+mn-cs"/>
+              </a:defRPr>
+            </a:lvl2pPr>
+            <a:lvl3pPr marL="1143000" indent="-228600" algn="l" defTabSz="914400" rtl="0" eaLnBrk="1" latinLnBrk="0" hangingPunct="1">
+              <a:lnSpc>
+                <a:spcPct val="90000"/>
+              </a:lnSpc>
+              <a:spcBef>
+                <a:spcPts val="500"/>
+              </a:spcBef>
+              <a:buFont typeface="Arial" panose="020B0604020202020204" pitchFamily="34" charset="0"/>
+              <a:buChar char="•"/>
+              <a:defRPr sz="2000" kern="1200">
+                <a:solidFill>
+                  <a:schemeClr val="tx1"/>
+                </a:solidFill>
+                <a:latin typeface="+mn-lt"/>
+                <a:ea typeface="+mn-ea"/>
+                <a:cs typeface="+mn-cs"/>
+              </a:defRPr>
+            </a:lvl3pPr>
+            <a:lvl4pPr marL="1600200" indent="-228600" algn="l" defTabSz="914400" rtl="0" eaLnBrk="1" latinLnBrk="0" hangingPunct="1">
+              <a:lnSpc>
+                <a:spcPct val="90000"/>
+              </a:lnSpc>
+              <a:spcBef>
+                <a:spcPts val="500"/>
+              </a:spcBef>
+              <a:buFont typeface="Arial" panose="020B0604020202020204" pitchFamily="34" charset="0"/>
+              <a:buChar char="•"/>
+              <a:defRPr sz="1800" kern="1200">
+                <a:solidFill>
+                  <a:schemeClr val="tx1"/>
+                </a:solidFill>
+                <a:latin typeface="+mn-lt"/>
+                <a:ea typeface="+mn-ea"/>
+                <a:cs typeface="+mn-cs"/>
+              </a:defRPr>
+            </a:lvl4pPr>
+            <a:lvl5pPr marL="2057400" indent="-228600" algn="l" defTabSz="914400" rtl="0" eaLnBrk="1" latinLnBrk="0" hangingPunct="1">
+              <a:lnSpc>
+                <a:spcPct val="90000"/>
+              </a:lnSpc>
+              <a:spcBef>
+                <a:spcPts val="500"/>
+              </a:spcBef>
+              <a:buFont typeface="Arial" panose="020B0604020202020204" pitchFamily="34" charset="0"/>
+              <a:buChar char="•"/>
+              <a:defRPr sz="1800" kern="1200">
+                <a:solidFill>
+                  <a:schemeClr val="tx1"/>
+                </a:solidFill>
+                <a:latin typeface="+mn-lt"/>
+                <a:ea typeface="+mn-ea"/>
+                <a:cs typeface="+mn-cs"/>
+              </a:defRPr>
+            </a:lvl5pPr>
+            <a:lvl6pPr marL="2514600" indent="-228600" algn="l" defTabSz="914400" rtl="0" eaLnBrk="1" latinLnBrk="0" hangingPunct="1">
+              <a:lnSpc>
+                <a:spcPct val="90000"/>
+              </a:lnSpc>
+              <a:spcBef>
+                <a:spcPts val="500"/>
+              </a:spcBef>
+              <a:buFont typeface="Arial" panose="020B0604020202020204" pitchFamily="34" charset="0"/>
+              <a:buChar char="•"/>
+              <a:defRPr sz="1800" kern="1200">
+                <a:solidFill>
+                  <a:schemeClr val="tx1"/>
+                </a:solidFill>
+                <a:latin typeface="+mn-lt"/>
+                <a:ea typeface="+mn-ea"/>
+                <a:cs typeface="+mn-cs"/>
+              </a:defRPr>
+            </a:lvl6pPr>
+            <a:lvl7pPr marL="2971800" indent="-228600" algn="l" defTabSz="914400" rtl="0" eaLnBrk="1" latinLnBrk="0" hangingPunct="1">
+              <a:lnSpc>
+                <a:spcPct val="90000"/>
+              </a:lnSpc>
+              <a:spcBef>
+                <a:spcPts val="500"/>
+              </a:spcBef>
+              <a:buFont typeface="Arial" panose="020B0604020202020204" pitchFamily="34" charset="0"/>
+              <a:buChar char="•"/>
+              <a:defRPr sz="1800" kern="1200">
+                <a:solidFill>
+                  <a:schemeClr val="tx1"/>
+                </a:solidFill>
+                <a:latin typeface="+mn-lt"/>
+                <a:ea typeface="+mn-ea"/>
+                <a:cs typeface="+mn-cs"/>
+              </a:defRPr>
+            </a:lvl7pPr>
+            <a:lvl8pPr marL="3429000" indent="-228600" algn="l" defTabSz="914400" rtl="0" eaLnBrk="1" latinLnBrk="0" hangingPunct="1">
+              <a:lnSpc>
+                <a:spcPct val="90000"/>
+              </a:lnSpc>
+              <a:spcBef>
+                <a:spcPts val="500"/>
+              </a:spcBef>
+              <a:buFont typeface="Arial" panose="020B0604020202020204" pitchFamily="34" charset="0"/>
+              <a:buChar char="•"/>
+              <a:defRPr sz="1800" kern="1200">
+                <a:solidFill>
+                  <a:schemeClr val="tx1"/>
+                </a:solidFill>
+                <a:latin typeface="+mn-lt"/>
+                <a:ea typeface="+mn-ea"/>
+                <a:cs typeface="+mn-cs"/>
+              </a:defRPr>
+            </a:lvl8pPr>
+            <a:lvl9pPr marL="3886200" indent="-228600" algn="l" defTabSz="914400" rtl="0" eaLnBrk="1" latinLnBrk="0" hangingPunct="1">
+              <a:lnSpc>
+                <a:spcPct val="90000"/>
+              </a:lnSpc>
+              <a:spcBef>
+                <a:spcPts val="500"/>
+              </a:spcBef>
+              <a:buFont typeface="Arial" panose="020B0604020202020204" pitchFamily="34" charset="0"/>
+              <a:buChar char="•"/>
+              <a:defRPr sz="1800" kern="1200">
+                <a:solidFill>
+                  <a:schemeClr val="tx1"/>
+                </a:solidFill>
+                <a:latin typeface="+mn-lt"/>
+                <a:ea typeface="+mn-ea"/>
+                <a:cs typeface="+mn-cs"/>
+              </a:defRPr>
+            </a:lvl9pPr>
+          </a:lstStyle>
+          <a:p>
+            <a:endParaRPr lang="zh-CN" altLang="en-US" dirty="0"/>
           </a:p>
         </p:txBody>
       </p:sp>
@@ -4463,6 +4655,96 @@
 </file>
 
 <file path=ppt/slides/slide16.xml><?xml version="1.0" encoding="utf-8"?>
+<p:sld xmlns:a="http://schemas.openxmlformats.org/drawingml/2006/main" xmlns:r="http://schemas.openxmlformats.org/officeDocument/2006/relationships" xmlns:p="http://schemas.openxmlformats.org/presentationml/2006/main">
+  <p:cSld>
+    <p:spTree>
+      <p:nvGrpSpPr>
+        <p:cNvPr id="1" name=""/>
+        <p:cNvGrpSpPr/>
+        <p:nvPr/>
+      </p:nvGrpSpPr>
+      <p:grpSpPr>
+        <a:xfrm>
+          <a:off x="0" y="0"/>
+          <a:ext cx="0" cy="0"/>
+          <a:chOff x="0" y="0"/>
+          <a:chExt cx="0" cy="0"/>
+        </a:xfrm>
+      </p:grpSpPr>
+      <p:pic>
+        <p:nvPicPr>
+          <p:cNvPr id="4" name="图片 3"/>
+          <p:cNvPicPr>
+            <a:picLocks noChangeAspect="1"/>
+          </p:cNvPicPr>
+          <p:nvPr/>
+        </p:nvPicPr>
+        <p:blipFill>
+          <a:blip r:embed="rId2">
+            <a:extLst>
+              <a:ext uri="{28A0092B-C50C-407E-A947-70E740481C1C}">
+                <a14:useLocalDpi xmlns:a14="http://schemas.microsoft.com/office/drawing/2010/main" val="0"/>
+              </a:ext>
+            </a:extLst>
+          </a:blip>
+          <a:stretch>
+            <a:fillRect/>
+          </a:stretch>
+        </p:blipFill>
+        <p:spPr>
+          <a:xfrm>
+            <a:off x="2279736" y="442159"/>
+            <a:ext cx="7189941" cy="6415841"/>
+          </a:xfrm>
+          <a:prstGeom prst="rect">
+            <a:avLst/>
+          </a:prstGeom>
+        </p:spPr>
+      </p:pic>
+      <p:sp>
+        <p:nvSpPr>
+          <p:cNvPr id="5" name="标题 1"/>
+          <p:cNvSpPr>
+            <a:spLocks noGrp="1"/>
+          </p:cNvSpPr>
+          <p:nvPr>
+            <p:ph type="title"/>
+          </p:nvPr>
+        </p:nvSpPr>
+        <p:spPr>
+          <a:xfrm>
+            <a:off x="3268250" y="78075"/>
+            <a:ext cx="5512496" cy="386437"/>
+          </a:xfrm>
+        </p:spPr>
+        <p:txBody>
+          <a:bodyPr>
+            <a:normAutofit fontScale="90000"/>
+          </a:bodyPr>
+          <a:lstStyle/>
+          <a:p>
+            <a:r>
+              <a:rPr lang="zh-CN" altLang="en-US" dirty="0" smtClean="0"/>
+              <a:t>实际项目的目录结构</a:t>
+            </a:r>
+            <a:endParaRPr lang="zh-CN" altLang="en-US" dirty="0"/>
+          </a:p>
+        </p:txBody>
+      </p:sp>
+    </p:spTree>
+    <p:extLst>
+      <p:ext uri="{BB962C8B-B14F-4D97-AF65-F5344CB8AC3E}">
+        <p14:creationId xmlns:p14="http://schemas.microsoft.com/office/powerpoint/2010/main" val="199033484"/>
+      </p:ext>
+    </p:extLst>
+  </p:cSld>
+  <p:clrMapOvr>
+    <a:masterClrMapping/>
+  </p:clrMapOvr>
+</p:sld>
+</file>
+
+<file path=ppt/slides/slide17.xml><?xml version="1.0" encoding="utf-8"?>
 <p:sld xmlns:a="http://schemas.openxmlformats.org/drawingml/2006/main" xmlns:r="http://schemas.openxmlformats.org/officeDocument/2006/relationships" xmlns:p="http://schemas.openxmlformats.org/presentationml/2006/main">
   <p:cSld>
     <p:spTree>
